--- a/img/iesl.pptx
+++ b/img/iesl.pptx
@@ -110,6 +110,11 @@
       </a:defRPr>
     </a:lvl9pPr>
   </p:defaultTextStyle>
+  <p:extLst>
+    <p:ext uri="{EFAFB233-063F-42B5-8137-9DF3F51BA10A}">
+      <p15:sldGuideLst xmlns:p15="http://schemas.microsoft.com/office/powerpoint/2012/main"/>
+    </p:ext>
+  </p:extLst>
 </p:presentation>
 </file>
 
@@ -260,7 +265,7 @@
           <a:p>
             <a:fld id="{5BF7E628-77DA-487F-A7DA-CA046B787B0B}" type="datetimeFigureOut">
               <a:rPr lang="en-US" smtClean="0"/>
-              <a:t>9/27/2024</a:t>
+              <a:t>9/28/2024</a:t>
             </a:fld>
             <a:endParaRPr lang="en-US"/>
           </a:p>
@@ -458,7 +463,7 @@
           <a:p>
             <a:fld id="{5BF7E628-77DA-487F-A7DA-CA046B787B0B}" type="datetimeFigureOut">
               <a:rPr lang="en-US" smtClean="0"/>
-              <a:t>9/27/2024</a:t>
+              <a:t>9/28/2024</a:t>
             </a:fld>
             <a:endParaRPr lang="en-US"/>
           </a:p>
@@ -666,7 +671,7 @@
           <a:p>
             <a:fld id="{5BF7E628-77DA-487F-A7DA-CA046B787B0B}" type="datetimeFigureOut">
               <a:rPr lang="en-US" smtClean="0"/>
-              <a:t>9/27/2024</a:t>
+              <a:t>9/28/2024</a:t>
             </a:fld>
             <a:endParaRPr lang="en-US"/>
           </a:p>
@@ -864,7 +869,7 @@
           <a:p>
             <a:fld id="{5BF7E628-77DA-487F-A7DA-CA046B787B0B}" type="datetimeFigureOut">
               <a:rPr lang="en-US" smtClean="0"/>
-              <a:t>9/27/2024</a:t>
+              <a:t>9/28/2024</a:t>
             </a:fld>
             <a:endParaRPr lang="en-US"/>
           </a:p>
@@ -1139,7 +1144,7 @@
           <a:p>
             <a:fld id="{5BF7E628-77DA-487F-A7DA-CA046B787B0B}" type="datetimeFigureOut">
               <a:rPr lang="en-US" smtClean="0"/>
-              <a:t>9/27/2024</a:t>
+              <a:t>9/28/2024</a:t>
             </a:fld>
             <a:endParaRPr lang="en-US"/>
           </a:p>
@@ -1404,7 +1409,7 @@
           <a:p>
             <a:fld id="{5BF7E628-77DA-487F-A7DA-CA046B787B0B}" type="datetimeFigureOut">
               <a:rPr lang="en-US" smtClean="0"/>
-              <a:t>9/27/2024</a:t>
+              <a:t>9/28/2024</a:t>
             </a:fld>
             <a:endParaRPr lang="en-US"/>
           </a:p>
@@ -1816,7 +1821,7 @@
           <a:p>
             <a:fld id="{5BF7E628-77DA-487F-A7DA-CA046B787B0B}" type="datetimeFigureOut">
               <a:rPr lang="en-US" smtClean="0"/>
-              <a:t>9/27/2024</a:t>
+              <a:t>9/28/2024</a:t>
             </a:fld>
             <a:endParaRPr lang="en-US"/>
           </a:p>
@@ -1957,7 +1962,7 @@
           <a:p>
             <a:fld id="{5BF7E628-77DA-487F-A7DA-CA046B787B0B}" type="datetimeFigureOut">
               <a:rPr lang="en-US" smtClean="0"/>
-              <a:t>9/27/2024</a:t>
+              <a:t>9/28/2024</a:t>
             </a:fld>
             <a:endParaRPr lang="en-US"/>
           </a:p>
@@ -2070,7 +2075,7 @@
           <a:p>
             <a:fld id="{5BF7E628-77DA-487F-A7DA-CA046B787B0B}" type="datetimeFigureOut">
               <a:rPr lang="en-US" smtClean="0"/>
-              <a:t>9/27/2024</a:t>
+              <a:t>9/28/2024</a:t>
             </a:fld>
             <a:endParaRPr lang="en-US"/>
           </a:p>
@@ -2381,7 +2386,7 @@
           <a:p>
             <a:fld id="{5BF7E628-77DA-487F-A7DA-CA046B787B0B}" type="datetimeFigureOut">
               <a:rPr lang="en-US" smtClean="0"/>
-              <a:t>9/27/2024</a:t>
+              <a:t>9/28/2024</a:t>
             </a:fld>
             <a:endParaRPr lang="en-US"/>
           </a:p>
@@ -2669,7 +2674,7 @@
           <a:p>
             <a:fld id="{5BF7E628-77DA-487F-A7DA-CA046B787B0B}" type="datetimeFigureOut">
               <a:rPr lang="en-US" smtClean="0"/>
-              <a:t>9/27/2024</a:t>
+              <a:t>9/28/2024</a:t>
             </a:fld>
             <a:endParaRPr lang="en-US"/>
           </a:p>
@@ -2910,7 +2915,7 @@
           <a:p>
             <a:fld id="{5BF7E628-77DA-487F-A7DA-CA046B787B0B}" type="datetimeFigureOut">
               <a:rPr lang="en-US" smtClean="0"/>
-              <a:t>9/27/2024</a:t>
+              <a:t>9/28/2024</a:t>
             </a:fld>
             <a:endParaRPr lang="en-US"/>
           </a:p>
@@ -5169,7 +5174,7 @@
                   </a:schemeClr>
                 </a:solidFill>
               </a:rPr>
-              <a:t>H1: µ &gt; 100.6</a:t>
+              <a:t>H1: µ &gt; 110.6</a:t>
             </a:r>
           </a:p>
           <a:p>
@@ -5433,7 +5438,7 @@
                   </a:schemeClr>
                 </a:solidFill>
               </a:rPr>
-              <a:t>H1: µ &gt; 100.6</a:t>
+              <a:t>H1: µ &gt; 110.6</a:t>
             </a:r>
           </a:p>
           <a:p>
@@ -5539,8 +5544,8 @@
           </a:fontRef>
         </p:style>
       </p:cxnSp>
-      <mc:AlternateContent xmlns:mc="http://schemas.openxmlformats.org/markup-compatibility/2006">
-        <mc:Choice xmlns:a14="http://schemas.microsoft.com/office/drawing/2010/main" Requires="a14">
+      <mc:AlternateContent xmlns:mc="http://schemas.openxmlformats.org/markup-compatibility/2006" xmlns:a14="http://schemas.microsoft.com/office/drawing/2010/main">
+        <mc:Choice Requires="a14">
           <p:sp>
             <p:nvSpPr>
               <p:cNvPr id="21" name="TextBox 20">
@@ -5625,7 +5630,7 @@
             </p:txBody>
           </p:sp>
         </mc:Choice>
-        <mc:Fallback>
+        <mc:Fallback xmlns="">
           <p:sp>
             <p:nvSpPr>
               <p:cNvPr id="21" name="TextBox 20">
@@ -5920,7 +5925,7 @@
                   </a:schemeClr>
                 </a:solidFill>
               </a:rPr>
-              <a:t>H1: µ &gt; 100.6</a:t>
+              <a:t>H1: µ &gt; 110.6</a:t>
             </a:r>
           </a:p>
           <a:p>
@@ -6026,8 +6031,8 @@
           </a:fontRef>
         </p:style>
       </p:cxnSp>
-      <mc:AlternateContent xmlns:mc="http://schemas.openxmlformats.org/markup-compatibility/2006">
-        <mc:Choice xmlns:a14="http://schemas.microsoft.com/office/drawing/2010/main" Requires="a14">
+      <mc:AlternateContent xmlns:mc="http://schemas.openxmlformats.org/markup-compatibility/2006" xmlns:a14="http://schemas.microsoft.com/office/drawing/2010/main">
+        <mc:Choice Requires="a14">
           <p:sp>
             <p:nvSpPr>
               <p:cNvPr id="21" name="TextBox 20">
@@ -6112,7 +6117,7 @@
             </p:txBody>
           </p:sp>
         </mc:Choice>
-        <mc:Fallback>
+        <mc:Fallback xmlns="">
           <p:sp>
             <p:nvSpPr>
               <p:cNvPr id="21" name="TextBox 20">
